--- a/210330_React_Hooks.pptx
+++ b/210330_React_Hooks.pptx
@@ -257,7 +257,7 @@
                 <a:latin typeface="빙그레 메로나체" panose="020B0503000000000000" pitchFamily="50" charset="-127"/>
                 <a:ea typeface="빙그레 메로나체" panose="020B0503000000000000" pitchFamily="50" charset="-127"/>
               </a:rPr>
-              <a:t>21-03-20(Sat)</a:t>
+              <a:t>21-03-30(Tue)</a:t>
             </a:fld>
             <a:endParaRPr lang="ko-KR" altLang="en-US">
               <a:latin typeface="빙그레 메로나체" panose="020B0503000000000000" pitchFamily="50" charset="-127"/>
@@ -454,7 +454,7 @@
             <a:fld id="{4603488D-D3EA-41C9-A985-B1D359B38FE8}" type="datetimeFigureOut">
               <a:rPr lang="ko-KR" altLang="en-US" smtClean="0"/>
               <a:pPr/>
-              <a:t>21-03-20(Sat)</a:t>
+              <a:t>21-03-30(Tue)</a:t>
             </a:fld>
             <a:endParaRPr lang="ko-KR" altLang="en-US"/>
           </a:p>
@@ -9000,7 +9000,7 @@
           <a:p>
             <a:fld id="{7DC6197A-B81F-4CAF-8F9E-3C147E2873D6}" type="datetime1">
               <a:rPr lang="ko-KR" altLang="en-US" smtClean="0"/>
-              <a:t>21-03-20(Sat)</a:t>
+              <a:t>21-03-30(Tue)</a:t>
             </a:fld>
             <a:endParaRPr lang="ko-KR" altLang="en-US"/>
           </a:p>
@@ -9219,7 +9219,7 @@
           <a:p>
             <a:fld id="{2E9FEE90-94DC-4A70-8DB6-77140FDC4928}" type="datetime1">
               <a:rPr lang="ko-KR" altLang="en-US" smtClean="0"/>
-              <a:t>21-03-20(Sat)</a:t>
+              <a:t>21-03-30(Tue)</a:t>
             </a:fld>
             <a:endParaRPr lang="ko-KR" altLang="en-US"/>
           </a:p>
@@ -9427,7 +9427,7 @@
           <a:p>
             <a:fld id="{35B46D19-C2B4-4F76-8EC4-654FF4D1B867}" type="datetime1">
               <a:rPr lang="ko-KR" altLang="en-US" smtClean="0"/>
-              <a:t>21-03-20(Sat)</a:t>
+              <a:t>21-03-30(Tue)</a:t>
             </a:fld>
             <a:endParaRPr lang="ko-KR" altLang="en-US"/>
           </a:p>
@@ -9625,7 +9625,7 @@
           <a:p>
             <a:fld id="{C373018D-A7B2-4FBD-B6A9-55243D35BED3}" type="datetime1">
               <a:rPr lang="ko-KR" altLang="en-US" smtClean="0"/>
-              <a:t>21-03-20(Sat)</a:t>
+              <a:t>21-03-30(Tue)</a:t>
             </a:fld>
             <a:endParaRPr lang="ko-KR" altLang="en-US"/>
           </a:p>
@@ -9900,7 +9900,7 @@
           <a:p>
             <a:fld id="{4435D3D0-A066-4F71-AFF5-8B496FFE7BCA}" type="datetime1">
               <a:rPr lang="ko-KR" altLang="en-US" smtClean="0"/>
-              <a:t>21-03-20(Sat)</a:t>
+              <a:t>21-03-30(Tue)</a:t>
             </a:fld>
             <a:endParaRPr lang="ko-KR" altLang="en-US"/>
           </a:p>
@@ -10165,7 +10165,7 @@
           <a:p>
             <a:fld id="{365C1C25-AAFE-4B7A-972A-986C48C551DC}" type="datetime1">
               <a:rPr lang="ko-KR" altLang="en-US" smtClean="0"/>
-              <a:t>21-03-20(Sat)</a:t>
+              <a:t>21-03-30(Tue)</a:t>
             </a:fld>
             <a:endParaRPr lang="ko-KR" altLang="en-US"/>
           </a:p>
@@ -10577,7 +10577,7 @@
           <a:p>
             <a:fld id="{81CD69AD-8091-45FF-A7FD-D5E8A83B14A6}" type="datetime1">
               <a:rPr lang="ko-KR" altLang="en-US" smtClean="0"/>
-              <a:t>21-03-20(Sat)</a:t>
+              <a:t>21-03-30(Tue)</a:t>
             </a:fld>
             <a:endParaRPr lang="ko-KR" altLang="en-US"/>
           </a:p>
@@ -10718,7 +10718,7 @@
           <a:p>
             <a:fld id="{16E1BF7E-2A53-4D85-AD06-DBD10CF13045}" type="datetime1">
               <a:rPr lang="ko-KR" altLang="en-US" smtClean="0"/>
-              <a:t>21-03-20(Sat)</a:t>
+              <a:t>21-03-30(Tue)</a:t>
             </a:fld>
             <a:endParaRPr lang="ko-KR" altLang="en-US"/>
           </a:p>
@@ -10831,7 +10831,7 @@
           <a:p>
             <a:fld id="{D7EEE6D7-F07E-4CE2-AFD1-E0ADDB02E34F}" type="datetime1">
               <a:rPr lang="ko-KR" altLang="en-US" smtClean="0"/>
-              <a:t>21-03-20(Sat)</a:t>
+              <a:t>21-03-30(Tue)</a:t>
             </a:fld>
             <a:endParaRPr lang="ko-KR" altLang="en-US"/>
           </a:p>
@@ -11142,7 +11142,7 @@
           <a:p>
             <a:fld id="{022DB226-797E-4714-A363-EB143067361E}" type="datetime1">
               <a:rPr lang="ko-KR" altLang="en-US" smtClean="0"/>
-              <a:t>21-03-20(Sat)</a:t>
+              <a:t>21-03-30(Tue)</a:t>
             </a:fld>
             <a:endParaRPr lang="ko-KR" altLang="en-US"/>
           </a:p>
@@ -11430,7 +11430,7 @@
           <a:p>
             <a:fld id="{2946DBEB-5FFE-47E0-9C69-4E429AFA7594}" type="datetime1">
               <a:rPr lang="ko-KR" altLang="en-US" smtClean="0"/>
-              <a:t>21-03-20(Sat)</a:t>
+              <a:t>21-03-30(Tue)</a:t>
             </a:fld>
             <a:endParaRPr lang="ko-KR" altLang="en-US"/>
           </a:p>
@@ -11677,7 +11677,7 @@
             <a:fld id="{932790BA-7C09-43EA-8E7D-6E5A6153DBF0}" type="datetime1">
               <a:rPr lang="ko-KR" altLang="en-US" smtClean="0"/>
               <a:pPr/>
-              <a:t>21-03-20(Sat)</a:t>
+              <a:t>21-03-30(Tue)</a:t>
             </a:fld>
             <a:endParaRPr lang="ko-KR" altLang="en-US"/>
           </a:p>
@@ -12260,7 +12260,7 @@
                 <a:latin typeface="빙그레 메로나체" panose="020B0503000000000000" pitchFamily="50" charset="-127"/>
                 <a:ea typeface="빙그레 메로나체" panose="020B0503000000000000" pitchFamily="50" charset="-127"/>
               </a:rPr>
-              <a:t>2021 03 20 Qualcomm Institute </a:t>
+              <a:t>2021 03 30 Qualcomm Institute </a:t>
             </a:r>
           </a:p>
         </p:txBody>
